--- a/User stories.pptx
+++ b/User stories.pptx
@@ -3887,7 +3887,11 @@
               <a:buChar char="•"/>
             </a:pPr>
             <a:r>
-              <a:rPr lang="en-US" sz="2400" dirty="0" smtClean="0"/>
+              <a:rPr lang="en-US" sz="2400" dirty="0" smtClean="0">
+                <a:solidFill>
+                  <a:schemeClr val="accent6"/>
+                </a:solidFill>
+              </a:rPr>
               <a:t>Display welcome screen</a:t>
             </a:r>
           </a:p>

--- a/User stories.pptx
+++ b/User stories.pptx
@@ -3786,7 +3786,11 @@
               <a:buChar char="•"/>
             </a:pPr>
             <a:r>
-              <a:rPr lang="en-US" sz="2400" dirty="0" smtClean="0"/>
+              <a:rPr lang="en-US" sz="2400" dirty="0" smtClean="0">
+                <a:solidFill>
+                  <a:schemeClr val="accent6"/>
+                </a:solidFill>
+              </a:rPr>
               <a:t>Display option 2</a:t>
             </a:r>
           </a:p>
@@ -3901,7 +3905,11 @@
               <a:buChar char="•"/>
             </a:pPr>
             <a:r>
-              <a:rPr lang="en-US" sz="2400" dirty="0" smtClean="0"/>
+              <a:rPr lang="en-US" sz="2400" dirty="0" smtClean="0">
+                <a:solidFill>
+                  <a:schemeClr val="accent6"/>
+                </a:solidFill>
+              </a:rPr>
               <a:t>Handle invalid inputs</a:t>
             </a:r>
           </a:p>
@@ -3911,7 +3919,11 @@
               <a:buChar char="•"/>
             </a:pPr>
             <a:r>
-              <a:rPr lang="en-US" sz="2400" dirty="0" smtClean="0"/>
+              <a:rPr lang="en-US" sz="2400" dirty="0" smtClean="0">
+                <a:solidFill>
+                  <a:schemeClr val="accent6"/>
+                </a:solidFill>
+              </a:rPr>
               <a:t>Close application</a:t>
             </a:r>
           </a:p>

--- a/User stories.pptx
+++ b/User stories.pptx
@@ -3776,7 +3776,11 @@
               <a:buChar char="•"/>
             </a:pPr>
             <a:r>
-              <a:rPr lang="en-US" sz="2400" dirty="0" smtClean="0"/>
+              <a:rPr lang="en-US" sz="2400" dirty="0" smtClean="0">
+                <a:solidFill>
+                  <a:schemeClr val="accent6"/>
+                </a:solidFill>
+              </a:rPr>
               <a:t>Display root directory</a:t>
             </a:r>
           </a:p>
@@ -3800,7 +3804,11 @@
               <a:buChar char="•"/>
             </a:pPr>
             <a:r>
-              <a:rPr lang="en-US" sz="2400" dirty="0" smtClean="0"/>
+              <a:rPr lang="en-US" sz="2400" dirty="0" smtClean="0">
+                <a:solidFill>
+                  <a:schemeClr val="accent6"/>
+                </a:solidFill>
+              </a:rPr>
               <a:t>Navigate to menu</a:t>
             </a:r>
           </a:p>

--- a/User stories.pptx
+++ b/User stories.pptx
@@ -3665,7 +3665,11 @@
               <a:buChar char="•"/>
             </a:pPr>
             <a:r>
-              <a:rPr lang="en-US" sz="2400" dirty="0" smtClean="0"/>
+              <a:rPr lang="en-US" sz="2400" dirty="0" smtClean="0">
+                <a:solidFill>
+                  <a:schemeClr val="accent6"/>
+                </a:solidFill>
+              </a:rPr>
               <a:t>Add file</a:t>
             </a:r>
           </a:p>

--- a/User stories.pptx
+++ b/User stories.pptx
@@ -3679,7 +3679,11 @@
               <a:buChar char="•"/>
             </a:pPr>
             <a:r>
-              <a:rPr lang="en-US" sz="2400" dirty="0" smtClean="0"/>
+              <a:rPr lang="en-US" sz="2400" dirty="0" smtClean="0">
+                <a:solidFill>
+                  <a:schemeClr val="accent6"/>
+                </a:solidFill>
+              </a:rPr>
               <a:t>Delete file</a:t>
             </a:r>
           </a:p>

--- a/User stories.pptx
+++ b/User stories.pptx
@@ -3693,7 +3693,11 @@
               <a:buChar char="•"/>
             </a:pPr>
             <a:r>
-              <a:rPr lang="en-US" sz="2400" dirty="0" smtClean="0"/>
+              <a:rPr lang="en-US" sz="2400" dirty="0" smtClean="0">
+                <a:solidFill>
+                  <a:schemeClr val="accent6"/>
+                </a:solidFill>
+              </a:rPr>
               <a:t>Search for file</a:t>
             </a:r>
           </a:p>

--- a/User stories.pptx
+++ b/User stories.pptx
@@ -5,7 +5,7 @@
     <p:sldMasterId id="2147483648" r:id="rId1"/>
   </p:sldMasterIdLst>
   <p:notesMasterIdLst>
-    <p:notesMasterId r:id="rId14"/>
+    <p:notesMasterId r:id="rId15"/>
   </p:notesMasterIdLst>
   <p:sldIdLst>
     <p:sldId id="256" r:id="rId2"/>
@@ -20,6 +20,7 @@
     <p:sldId id="265" r:id="rId11"/>
     <p:sldId id="266" r:id="rId12"/>
     <p:sldId id="267" r:id="rId13"/>
+    <p:sldId id="268" r:id="rId14"/>
   </p:sldIdLst>
   <p:sldSz cx="12192000" cy="6858000"/>
   <p:notesSz cx="6858000" cy="9144000"/>
@@ -3999,6 +4000,1088 @@
     <p:extLst>
       <p:ext uri="{BB962C8B-B14F-4D97-AF65-F5344CB8AC3E}">
         <p14:creationId xmlns:p14="http://schemas.microsoft.com/office/powerpoint/2010/main" val="3472565277"/>
+      </p:ext>
+    </p:extLst>
+  </p:cSld>
+  <p:clrMapOvr>
+    <a:masterClrMapping/>
+  </p:clrMapOvr>
+</p:sld>
+</file>
+
+<file path=ppt/slides/slide13.xml><?xml version="1.0" encoding="utf-8"?>
+<p:sld xmlns:a="http://schemas.openxmlformats.org/drawingml/2006/main" xmlns:r="http://schemas.openxmlformats.org/officeDocument/2006/relationships" xmlns:p="http://schemas.openxmlformats.org/presentationml/2006/main">
+  <p:cSld>
+    <p:spTree>
+      <p:nvGrpSpPr>
+        <p:cNvPr id="1" name=""/>
+        <p:cNvGrpSpPr/>
+        <p:nvPr/>
+      </p:nvGrpSpPr>
+      <p:grpSpPr>
+        <a:xfrm>
+          <a:off x="0" y="0"/>
+          <a:ext cx="0" cy="0"/>
+          <a:chOff x="0" y="0"/>
+          <a:chExt cx="0" cy="0"/>
+        </a:xfrm>
+      </p:grpSpPr>
+      <p:sp>
+        <p:nvSpPr>
+          <p:cNvPr id="2" name="Oval 1"/>
+          <p:cNvSpPr/>
+          <p:nvPr/>
+        </p:nvSpPr>
+        <p:spPr>
+          <a:xfrm>
+            <a:off x="5200072" y="175490"/>
+            <a:ext cx="1394691" cy="858982"/>
+          </a:xfrm>
+          <a:prstGeom prst="ellipse">
+            <a:avLst/>
+          </a:prstGeom>
+        </p:spPr>
+        <p:style>
+          <a:lnRef idx="2">
+            <a:schemeClr val="accent1">
+              <a:shade val="50000"/>
+            </a:schemeClr>
+          </a:lnRef>
+          <a:fillRef idx="1">
+            <a:schemeClr val="accent1"/>
+          </a:fillRef>
+          <a:effectRef idx="0">
+            <a:schemeClr val="accent1"/>
+          </a:effectRef>
+          <a:fontRef idx="minor">
+            <a:schemeClr val="lt1"/>
+          </a:fontRef>
+        </p:style>
+        <p:txBody>
+          <a:bodyPr rtlCol="0" anchor="ctr"/>
+          <a:lstStyle/>
+          <a:p>
+            <a:pPr algn="ctr"/>
+            <a:r>
+              <a:rPr lang="en-US" dirty="0" smtClean="0"/>
+              <a:t>main</a:t>
+            </a:r>
+            <a:endParaRPr lang="en-US" dirty="0"/>
+          </a:p>
+        </p:txBody>
+      </p:sp>
+      <p:sp>
+        <p:nvSpPr>
+          <p:cNvPr id="3" name="Oval 2"/>
+          <p:cNvSpPr/>
+          <p:nvPr/>
+        </p:nvSpPr>
+        <p:spPr>
+          <a:xfrm>
+            <a:off x="6747164" y="1117599"/>
+            <a:ext cx="1879600" cy="858982"/>
+          </a:xfrm>
+          <a:prstGeom prst="ellipse">
+            <a:avLst/>
+          </a:prstGeom>
+        </p:spPr>
+        <p:style>
+          <a:lnRef idx="2">
+            <a:schemeClr val="accent1">
+              <a:shade val="50000"/>
+            </a:schemeClr>
+          </a:lnRef>
+          <a:fillRef idx="1">
+            <a:schemeClr val="accent1"/>
+          </a:fillRef>
+          <a:effectRef idx="0">
+            <a:schemeClr val="accent1"/>
+          </a:effectRef>
+          <a:fontRef idx="minor">
+            <a:schemeClr val="lt1"/>
+          </a:fontRef>
+        </p:style>
+        <p:txBody>
+          <a:bodyPr rtlCol="0" anchor="ctr"/>
+          <a:lstStyle/>
+          <a:p>
+            <a:pPr algn="ctr"/>
+            <a:r>
+              <a:rPr lang="en-US" dirty="0" err="1" smtClean="0"/>
+              <a:t>mainMenu</a:t>
+            </a:r>
+            <a:endParaRPr lang="en-US" dirty="0"/>
+          </a:p>
+        </p:txBody>
+      </p:sp>
+      <p:sp>
+        <p:nvSpPr>
+          <p:cNvPr id="4" name="Oval 3"/>
+          <p:cNvSpPr/>
+          <p:nvPr/>
+        </p:nvSpPr>
+        <p:spPr>
+          <a:xfrm>
+            <a:off x="854362" y="1138380"/>
+            <a:ext cx="1676401" cy="858982"/>
+          </a:xfrm>
+          <a:prstGeom prst="ellipse">
+            <a:avLst/>
+          </a:prstGeom>
+        </p:spPr>
+        <p:style>
+          <a:lnRef idx="2">
+            <a:schemeClr val="accent1">
+              <a:shade val="50000"/>
+            </a:schemeClr>
+          </a:lnRef>
+          <a:fillRef idx="1">
+            <a:schemeClr val="accent1"/>
+          </a:fillRef>
+          <a:effectRef idx="0">
+            <a:schemeClr val="accent1"/>
+          </a:effectRef>
+          <a:fontRef idx="minor">
+            <a:schemeClr val="lt1"/>
+          </a:fontRef>
+        </p:style>
+        <p:txBody>
+          <a:bodyPr rtlCol="0" anchor="ctr"/>
+          <a:lstStyle/>
+          <a:p>
+            <a:pPr algn="ctr"/>
+            <a:r>
+              <a:rPr lang="en-US" dirty="0"/>
+              <a:t>w</a:t>
+            </a:r>
+            <a:r>
+              <a:rPr lang="en-US" dirty="0" smtClean="0"/>
+              <a:t>elcome</a:t>
+            </a:r>
+            <a:endParaRPr lang="en-US" dirty="0"/>
+          </a:p>
+        </p:txBody>
+      </p:sp>
+      <p:sp>
+        <p:nvSpPr>
+          <p:cNvPr id="5" name="Oval 4"/>
+          <p:cNvSpPr/>
+          <p:nvPr/>
+        </p:nvSpPr>
+        <p:spPr>
+          <a:xfrm>
+            <a:off x="8996217" y="2101270"/>
+            <a:ext cx="2475345" cy="858982"/>
+          </a:xfrm>
+          <a:prstGeom prst="ellipse">
+            <a:avLst/>
+          </a:prstGeom>
+        </p:spPr>
+        <p:style>
+          <a:lnRef idx="2">
+            <a:schemeClr val="accent1">
+              <a:shade val="50000"/>
+            </a:schemeClr>
+          </a:lnRef>
+          <a:fillRef idx="1">
+            <a:schemeClr val="accent1"/>
+          </a:fillRef>
+          <a:effectRef idx="0">
+            <a:schemeClr val="accent1"/>
+          </a:effectRef>
+          <a:fontRef idx="minor">
+            <a:schemeClr val="lt1"/>
+          </a:fontRef>
+        </p:style>
+        <p:txBody>
+          <a:bodyPr rtlCol="0" anchor="ctr"/>
+          <a:lstStyle/>
+          <a:p>
+            <a:pPr algn="ctr"/>
+            <a:r>
+              <a:rPr lang="en-US" dirty="0" err="1" smtClean="0"/>
+              <a:t>secondaryMenu</a:t>
+            </a:r>
+            <a:endParaRPr lang="en-US" dirty="0"/>
+          </a:p>
+        </p:txBody>
+      </p:sp>
+      <p:sp>
+        <p:nvSpPr>
+          <p:cNvPr id="6" name="Oval 5"/>
+          <p:cNvSpPr/>
+          <p:nvPr/>
+        </p:nvSpPr>
+        <p:spPr>
+          <a:xfrm>
+            <a:off x="3934691" y="2114551"/>
+            <a:ext cx="1865746" cy="858982"/>
+          </a:xfrm>
+          <a:prstGeom prst="ellipse">
+            <a:avLst/>
+          </a:prstGeom>
+        </p:spPr>
+        <p:style>
+          <a:lnRef idx="2">
+            <a:schemeClr val="accent1">
+              <a:shade val="50000"/>
+            </a:schemeClr>
+          </a:lnRef>
+          <a:fillRef idx="1">
+            <a:schemeClr val="accent1"/>
+          </a:fillRef>
+          <a:effectRef idx="0">
+            <a:schemeClr val="accent1"/>
+          </a:effectRef>
+          <a:fontRef idx="minor">
+            <a:schemeClr val="lt1"/>
+          </a:fontRef>
+        </p:style>
+        <p:txBody>
+          <a:bodyPr rtlCol="0" anchor="ctr"/>
+          <a:lstStyle/>
+          <a:p>
+            <a:pPr algn="ctr"/>
+            <a:r>
+              <a:rPr lang="en-US" dirty="0" err="1" smtClean="0"/>
+              <a:t>showDirect</a:t>
+            </a:r>
+            <a:endParaRPr lang="en-US" dirty="0"/>
+          </a:p>
+        </p:txBody>
+      </p:sp>
+      <p:sp>
+        <p:nvSpPr>
+          <p:cNvPr id="7" name="Oval 6"/>
+          <p:cNvSpPr/>
+          <p:nvPr/>
+        </p:nvSpPr>
+        <p:spPr>
+          <a:xfrm>
+            <a:off x="8199580" y="3235037"/>
+            <a:ext cx="1879600" cy="858982"/>
+          </a:xfrm>
+          <a:prstGeom prst="ellipse">
+            <a:avLst/>
+          </a:prstGeom>
+        </p:spPr>
+        <p:style>
+          <a:lnRef idx="2">
+            <a:schemeClr val="accent1">
+              <a:shade val="50000"/>
+            </a:schemeClr>
+          </a:lnRef>
+          <a:fillRef idx="1">
+            <a:schemeClr val="accent1"/>
+          </a:fillRef>
+          <a:effectRef idx="0">
+            <a:schemeClr val="accent1"/>
+          </a:effectRef>
+          <a:fontRef idx="minor">
+            <a:schemeClr val="lt1"/>
+          </a:fontRef>
+        </p:style>
+        <p:txBody>
+          <a:bodyPr rtlCol="0" anchor="ctr"/>
+          <a:lstStyle/>
+          <a:p>
+            <a:pPr algn="ctr"/>
+            <a:r>
+              <a:rPr lang="en-US" dirty="0" err="1" smtClean="0"/>
+              <a:t>deleteFile</a:t>
+            </a:r>
+            <a:endParaRPr lang="en-US" dirty="0"/>
+          </a:p>
+        </p:txBody>
+      </p:sp>
+      <p:sp>
+        <p:nvSpPr>
+          <p:cNvPr id="8" name="Oval 7"/>
+          <p:cNvSpPr/>
+          <p:nvPr/>
+        </p:nvSpPr>
+        <p:spPr>
+          <a:xfrm>
+            <a:off x="6449288" y="3235037"/>
+            <a:ext cx="1676401" cy="858982"/>
+          </a:xfrm>
+          <a:prstGeom prst="ellipse">
+            <a:avLst/>
+          </a:prstGeom>
+        </p:spPr>
+        <p:style>
+          <a:lnRef idx="2">
+            <a:schemeClr val="accent1">
+              <a:shade val="50000"/>
+            </a:schemeClr>
+          </a:lnRef>
+          <a:fillRef idx="1">
+            <a:schemeClr val="accent1"/>
+          </a:fillRef>
+          <a:effectRef idx="0">
+            <a:schemeClr val="accent1"/>
+          </a:effectRef>
+          <a:fontRef idx="minor">
+            <a:schemeClr val="lt1"/>
+          </a:fontRef>
+        </p:style>
+        <p:txBody>
+          <a:bodyPr rtlCol="0" anchor="ctr"/>
+          <a:lstStyle/>
+          <a:p>
+            <a:pPr algn="ctr"/>
+            <a:r>
+              <a:rPr lang="en-US" dirty="0" err="1" smtClean="0"/>
+              <a:t>addFile</a:t>
+            </a:r>
+            <a:endParaRPr lang="en-US" dirty="0"/>
+          </a:p>
+        </p:txBody>
+      </p:sp>
+      <p:sp>
+        <p:nvSpPr>
+          <p:cNvPr id="9" name="Oval 8"/>
+          <p:cNvSpPr/>
+          <p:nvPr/>
+        </p:nvSpPr>
+        <p:spPr>
+          <a:xfrm>
+            <a:off x="10243126" y="3235037"/>
+            <a:ext cx="1879600" cy="858982"/>
+          </a:xfrm>
+          <a:prstGeom prst="ellipse">
+            <a:avLst/>
+          </a:prstGeom>
+        </p:spPr>
+        <p:style>
+          <a:lnRef idx="2">
+            <a:schemeClr val="accent1">
+              <a:shade val="50000"/>
+            </a:schemeClr>
+          </a:lnRef>
+          <a:fillRef idx="1">
+            <a:schemeClr val="accent1"/>
+          </a:fillRef>
+          <a:effectRef idx="0">
+            <a:schemeClr val="accent1"/>
+          </a:effectRef>
+          <a:fontRef idx="minor">
+            <a:schemeClr val="lt1"/>
+          </a:fontRef>
+        </p:style>
+        <p:txBody>
+          <a:bodyPr rtlCol="0" anchor="ctr"/>
+          <a:lstStyle/>
+          <a:p>
+            <a:pPr algn="ctr"/>
+            <a:r>
+              <a:rPr lang="en-US" dirty="0" err="1" smtClean="0"/>
+              <a:t>searchFile</a:t>
+            </a:r>
+            <a:endParaRPr lang="en-US" dirty="0"/>
+          </a:p>
+        </p:txBody>
+      </p:sp>
+      <p:sp>
+        <p:nvSpPr>
+          <p:cNvPr id="10" name="Oval 9"/>
+          <p:cNvSpPr/>
+          <p:nvPr/>
+        </p:nvSpPr>
+        <p:spPr>
+          <a:xfrm>
+            <a:off x="3934691" y="3235037"/>
+            <a:ext cx="1879600" cy="858982"/>
+          </a:xfrm>
+          <a:prstGeom prst="ellipse">
+            <a:avLst/>
+          </a:prstGeom>
+        </p:spPr>
+        <p:style>
+          <a:lnRef idx="2">
+            <a:schemeClr val="accent1">
+              <a:shade val="50000"/>
+            </a:schemeClr>
+          </a:lnRef>
+          <a:fillRef idx="1">
+            <a:schemeClr val="accent1"/>
+          </a:fillRef>
+          <a:effectRef idx="0">
+            <a:schemeClr val="accent1"/>
+          </a:effectRef>
+          <a:fontRef idx="minor">
+            <a:schemeClr val="lt1"/>
+          </a:fontRef>
+        </p:style>
+        <p:txBody>
+          <a:bodyPr rtlCol="0" anchor="ctr"/>
+          <a:lstStyle/>
+          <a:p>
+            <a:pPr algn="ctr"/>
+            <a:r>
+              <a:rPr lang="en-US" dirty="0" err="1" smtClean="0"/>
+              <a:t>sortFiles</a:t>
+            </a:r>
+            <a:endParaRPr lang="en-US" dirty="0"/>
+          </a:p>
+        </p:txBody>
+      </p:sp>
+      <p:sp>
+        <p:nvSpPr>
+          <p:cNvPr id="11" name="Oval 10"/>
+          <p:cNvSpPr/>
+          <p:nvPr/>
+        </p:nvSpPr>
+        <p:spPr>
+          <a:xfrm>
+            <a:off x="3920837" y="4355523"/>
+            <a:ext cx="1879600" cy="858982"/>
+          </a:xfrm>
+          <a:prstGeom prst="ellipse">
+            <a:avLst/>
+          </a:prstGeom>
+        </p:spPr>
+        <p:style>
+          <a:lnRef idx="2">
+            <a:schemeClr val="accent1">
+              <a:shade val="50000"/>
+            </a:schemeClr>
+          </a:lnRef>
+          <a:fillRef idx="1">
+            <a:schemeClr val="accent1"/>
+          </a:fillRef>
+          <a:effectRef idx="0">
+            <a:schemeClr val="accent1"/>
+          </a:effectRef>
+          <a:fontRef idx="minor">
+            <a:schemeClr val="lt1"/>
+          </a:fontRef>
+        </p:style>
+        <p:txBody>
+          <a:bodyPr rtlCol="0" anchor="ctr"/>
+          <a:lstStyle/>
+          <a:p>
+            <a:pPr algn="ctr"/>
+            <a:r>
+              <a:rPr lang="en-US" dirty="0" smtClean="0"/>
+              <a:t>sort</a:t>
+            </a:r>
+            <a:endParaRPr lang="en-US" dirty="0"/>
+          </a:p>
+        </p:txBody>
+      </p:sp>
+      <p:sp>
+        <p:nvSpPr>
+          <p:cNvPr id="12" name="Oval 11"/>
+          <p:cNvSpPr/>
+          <p:nvPr/>
+        </p:nvSpPr>
+        <p:spPr>
+          <a:xfrm>
+            <a:off x="5572338" y="5476009"/>
+            <a:ext cx="1879600" cy="858982"/>
+          </a:xfrm>
+          <a:prstGeom prst="ellipse">
+            <a:avLst/>
+          </a:prstGeom>
+        </p:spPr>
+        <p:style>
+          <a:lnRef idx="2">
+            <a:schemeClr val="accent1">
+              <a:shade val="50000"/>
+            </a:schemeClr>
+          </a:lnRef>
+          <a:fillRef idx="1">
+            <a:schemeClr val="accent1"/>
+          </a:fillRef>
+          <a:effectRef idx="0">
+            <a:schemeClr val="accent1"/>
+          </a:effectRef>
+          <a:fontRef idx="minor">
+            <a:schemeClr val="lt1"/>
+          </a:fontRef>
+        </p:style>
+        <p:txBody>
+          <a:bodyPr rtlCol="0" anchor="ctr"/>
+          <a:lstStyle/>
+          <a:p>
+            <a:pPr algn="ctr"/>
+            <a:r>
+              <a:rPr lang="en-US" dirty="0" smtClean="0"/>
+              <a:t>merge</a:t>
+            </a:r>
+            <a:endParaRPr lang="en-US" dirty="0"/>
+          </a:p>
+        </p:txBody>
+      </p:sp>
+      <p:cxnSp>
+        <p:nvCxnSpPr>
+          <p:cNvPr id="14" name="Straight Arrow Connector 13"/>
+          <p:cNvCxnSpPr>
+            <a:stCxn id="2" idx="5"/>
+            <a:endCxn id="3" idx="1"/>
+          </p:cNvCxnSpPr>
+          <p:nvPr/>
+        </p:nvCxnSpPr>
+        <p:spPr>
+          <a:xfrm>
+            <a:off x="6390515" y="908677"/>
+            <a:ext cx="631910" cy="334717"/>
+          </a:xfrm>
+          <a:prstGeom prst="straightConnector1">
+            <a:avLst/>
+          </a:prstGeom>
+          <a:ln w="38100">
+            <a:solidFill>
+              <a:schemeClr val="tx1"/>
+            </a:solidFill>
+            <a:headEnd type="none" w="med" len="med"/>
+            <a:tailEnd type="triangle" w="med" len="med"/>
+          </a:ln>
+        </p:spPr>
+        <p:style>
+          <a:lnRef idx="1">
+            <a:schemeClr val="accent1"/>
+          </a:lnRef>
+          <a:fillRef idx="0">
+            <a:schemeClr val="accent1"/>
+          </a:fillRef>
+          <a:effectRef idx="0">
+            <a:schemeClr val="accent1"/>
+          </a:effectRef>
+          <a:fontRef idx="minor">
+            <a:schemeClr val="tx1"/>
+          </a:fontRef>
+        </p:style>
+      </p:cxnSp>
+      <p:cxnSp>
+        <p:nvCxnSpPr>
+          <p:cNvPr id="16" name="Straight Arrow Connector 15"/>
+          <p:cNvCxnSpPr>
+            <a:stCxn id="2" idx="3"/>
+            <a:endCxn id="4" idx="7"/>
+          </p:cNvCxnSpPr>
+          <p:nvPr/>
+        </p:nvCxnSpPr>
+        <p:spPr>
+          <a:xfrm flipH="1">
+            <a:off x="2285260" y="908677"/>
+            <a:ext cx="3119060" cy="355498"/>
+          </a:xfrm>
+          <a:prstGeom prst="straightConnector1">
+            <a:avLst/>
+          </a:prstGeom>
+          <a:ln w="38100">
+            <a:solidFill>
+              <a:schemeClr val="tx1"/>
+            </a:solidFill>
+            <a:tailEnd type="triangle"/>
+          </a:ln>
+        </p:spPr>
+        <p:style>
+          <a:lnRef idx="1">
+            <a:schemeClr val="accent1"/>
+          </a:lnRef>
+          <a:fillRef idx="0">
+            <a:schemeClr val="accent1"/>
+          </a:fillRef>
+          <a:effectRef idx="0">
+            <a:schemeClr val="accent1"/>
+          </a:effectRef>
+          <a:fontRef idx="minor">
+            <a:schemeClr val="tx1"/>
+          </a:fontRef>
+        </p:style>
+      </p:cxnSp>
+      <p:cxnSp>
+        <p:nvCxnSpPr>
+          <p:cNvPr id="18" name="Straight Arrow Connector 17"/>
+          <p:cNvCxnSpPr>
+            <a:stCxn id="3" idx="3"/>
+            <a:endCxn id="6" idx="7"/>
+          </p:cNvCxnSpPr>
+          <p:nvPr/>
+        </p:nvCxnSpPr>
+        <p:spPr>
+          <a:xfrm flipH="1">
+            <a:off x="5527205" y="1850786"/>
+            <a:ext cx="1495220" cy="389560"/>
+          </a:xfrm>
+          <a:prstGeom prst="straightConnector1">
+            <a:avLst/>
+          </a:prstGeom>
+          <a:ln w="38100">
+            <a:solidFill>
+              <a:schemeClr val="tx1"/>
+            </a:solidFill>
+            <a:tailEnd type="triangle"/>
+          </a:ln>
+        </p:spPr>
+        <p:style>
+          <a:lnRef idx="1">
+            <a:schemeClr val="accent1"/>
+          </a:lnRef>
+          <a:fillRef idx="0">
+            <a:schemeClr val="accent1"/>
+          </a:fillRef>
+          <a:effectRef idx="0">
+            <a:schemeClr val="accent1"/>
+          </a:effectRef>
+          <a:fontRef idx="minor">
+            <a:schemeClr val="tx1"/>
+          </a:fontRef>
+        </p:style>
+      </p:cxnSp>
+      <p:cxnSp>
+        <p:nvCxnSpPr>
+          <p:cNvPr id="20" name="Straight Arrow Connector 19"/>
+          <p:cNvCxnSpPr>
+            <a:stCxn id="3" idx="5"/>
+            <a:endCxn id="5" idx="1"/>
+          </p:cNvCxnSpPr>
+          <p:nvPr/>
+        </p:nvCxnSpPr>
+        <p:spPr>
+          <a:xfrm>
+            <a:off x="8351503" y="1850786"/>
+            <a:ext cx="1007220" cy="376279"/>
+          </a:xfrm>
+          <a:prstGeom prst="straightConnector1">
+            <a:avLst/>
+          </a:prstGeom>
+          <a:ln w="38100" cap="flat" cmpd="sng" algn="ctr">
+            <a:solidFill>
+              <a:schemeClr val="dk1"/>
+            </a:solidFill>
+            <a:prstDash val="solid"/>
+            <a:round/>
+            <a:headEnd type="triangle" w="med" len="med"/>
+            <a:tailEnd type="triangle" w="med" len="med"/>
+          </a:ln>
+        </p:spPr>
+        <p:style>
+          <a:lnRef idx="0">
+            <a:scrgbClr r="0" g="0" b="0"/>
+          </a:lnRef>
+          <a:fillRef idx="0">
+            <a:scrgbClr r="0" g="0" b="0"/>
+          </a:fillRef>
+          <a:effectRef idx="0">
+            <a:scrgbClr r="0" g="0" b="0"/>
+          </a:effectRef>
+          <a:fontRef idx="minor">
+            <a:schemeClr val="tx1"/>
+          </a:fontRef>
+        </p:style>
+      </p:cxnSp>
+      <p:cxnSp>
+        <p:nvCxnSpPr>
+          <p:cNvPr id="22" name="Straight Arrow Connector 21"/>
+          <p:cNvCxnSpPr>
+            <a:stCxn id="5" idx="3"/>
+            <a:endCxn id="8" idx="7"/>
+          </p:cNvCxnSpPr>
+          <p:nvPr/>
+        </p:nvCxnSpPr>
+        <p:spPr>
+          <a:xfrm flipH="1">
+            <a:off x="7880186" y="2834457"/>
+            <a:ext cx="1478537" cy="526375"/>
+          </a:xfrm>
+          <a:prstGeom prst="straightConnector1">
+            <a:avLst/>
+          </a:prstGeom>
+          <a:ln w="38100" cap="flat" cmpd="sng" algn="ctr">
+            <a:solidFill>
+              <a:schemeClr val="dk1"/>
+            </a:solidFill>
+            <a:prstDash val="solid"/>
+            <a:round/>
+            <a:headEnd type="triangle" w="med" len="med"/>
+            <a:tailEnd type="triangle" w="med" len="med"/>
+          </a:ln>
+        </p:spPr>
+        <p:style>
+          <a:lnRef idx="0">
+            <a:scrgbClr r="0" g="0" b="0"/>
+          </a:lnRef>
+          <a:fillRef idx="0">
+            <a:scrgbClr r="0" g="0" b="0"/>
+          </a:fillRef>
+          <a:effectRef idx="0">
+            <a:scrgbClr r="0" g="0" b="0"/>
+          </a:effectRef>
+          <a:fontRef idx="minor">
+            <a:schemeClr val="tx1"/>
+          </a:fontRef>
+        </p:style>
+      </p:cxnSp>
+      <p:cxnSp>
+        <p:nvCxnSpPr>
+          <p:cNvPr id="24" name="Straight Arrow Connector 23"/>
+          <p:cNvCxnSpPr>
+            <a:stCxn id="5" idx="4"/>
+            <a:endCxn id="7" idx="7"/>
+          </p:cNvCxnSpPr>
+          <p:nvPr/>
+        </p:nvCxnSpPr>
+        <p:spPr>
+          <a:xfrm flipH="1">
+            <a:off x="9803919" y="2960252"/>
+            <a:ext cx="429971" cy="400580"/>
+          </a:xfrm>
+          <a:prstGeom prst="straightConnector1">
+            <a:avLst/>
+          </a:prstGeom>
+          <a:ln w="38100" cap="flat" cmpd="sng" algn="ctr">
+            <a:solidFill>
+              <a:schemeClr val="dk1"/>
+            </a:solidFill>
+            <a:prstDash val="solid"/>
+            <a:round/>
+            <a:headEnd type="triangle" w="med" len="med"/>
+            <a:tailEnd type="triangle" w="med" len="med"/>
+          </a:ln>
+        </p:spPr>
+        <p:style>
+          <a:lnRef idx="0">
+            <a:scrgbClr r="0" g="0" b="0"/>
+          </a:lnRef>
+          <a:fillRef idx="0">
+            <a:scrgbClr r="0" g="0" b="0"/>
+          </a:fillRef>
+          <a:effectRef idx="0">
+            <a:scrgbClr r="0" g="0" b="0"/>
+          </a:effectRef>
+          <a:fontRef idx="minor">
+            <a:schemeClr val="tx1"/>
+          </a:fontRef>
+        </p:style>
+      </p:cxnSp>
+      <p:cxnSp>
+        <p:nvCxnSpPr>
+          <p:cNvPr id="26" name="Straight Arrow Connector 25"/>
+          <p:cNvCxnSpPr>
+            <a:stCxn id="5" idx="5"/>
+            <a:endCxn id="9" idx="0"/>
+          </p:cNvCxnSpPr>
+          <p:nvPr/>
+        </p:nvCxnSpPr>
+        <p:spPr>
+          <a:xfrm>
+            <a:off x="11109056" y="2834457"/>
+            <a:ext cx="73870" cy="400580"/>
+          </a:xfrm>
+          <a:prstGeom prst="straightConnector1">
+            <a:avLst/>
+          </a:prstGeom>
+          <a:ln w="38100" cap="flat" cmpd="sng" algn="ctr">
+            <a:solidFill>
+              <a:schemeClr val="dk1"/>
+            </a:solidFill>
+            <a:prstDash val="solid"/>
+            <a:round/>
+            <a:headEnd type="triangle" w="med" len="med"/>
+            <a:tailEnd type="triangle" w="med" len="med"/>
+          </a:ln>
+        </p:spPr>
+        <p:style>
+          <a:lnRef idx="0">
+            <a:scrgbClr r="0" g="0" b="0"/>
+          </a:lnRef>
+          <a:fillRef idx="0">
+            <a:scrgbClr r="0" g="0" b="0"/>
+          </a:fillRef>
+          <a:effectRef idx="0">
+            <a:scrgbClr r="0" g="0" b="0"/>
+          </a:effectRef>
+          <a:fontRef idx="minor">
+            <a:schemeClr val="tx1"/>
+          </a:fontRef>
+        </p:style>
+      </p:cxnSp>
+      <p:cxnSp>
+        <p:nvCxnSpPr>
+          <p:cNvPr id="28" name="Straight Arrow Connector 27"/>
+          <p:cNvCxnSpPr>
+            <a:stCxn id="6" idx="4"/>
+            <a:endCxn id="10" idx="0"/>
+          </p:cNvCxnSpPr>
+          <p:nvPr/>
+        </p:nvCxnSpPr>
+        <p:spPr>
+          <a:xfrm>
+            <a:off x="4867564" y="2973533"/>
+            <a:ext cx="6927" cy="261504"/>
+          </a:xfrm>
+          <a:prstGeom prst="straightConnector1">
+            <a:avLst/>
+          </a:prstGeom>
+          <a:ln w="38100">
+            <a:solidFill>
+              <a:schemeClr val="tx1"/>
+            </a:solidFill>
+            <a:tailEnd type="triangle"/>
+          </a:ln>
+        </p:spPr>
+        <p:style>
+          <a:lnRef idx="1">
+            <a:schemeClr val="accent1"/>
+          </a:lnRef>
+          <a:fillRef idx="0">
+            <a:schemeClr val="accent1"/>
+          </a:fillRef>
+          <a:effectRef idx="0">
+            <a:schemeClr val="accent1"/>
+          </a:effectRef>
+          <a:fontRef idx="minor">
+            <a:schemeClr val="tx1"/>
+          </a:fontRef>
+        </p:style>
+      </p:cxnSp>
+      <p:cxnSp>
+        <p:nvCxnSpPr>
+          <p:cNvPr id="30" name="Straight Arrow Connector 29"/>
+          <p:cNvCxnSpPr>
+            <a:stCxn id="10" idx="4"/>
+            <a:endCxn id="11" idx="0"/>
+          </p:cNvCxnSpPr>
+          <p:nvPr/>
+        </p:nvCxnSpPr>
+        <p:spPr>
+          <a:xfrm flipH="1">
+            <a:off x="4860637" y="4094019"/>
+            <a:ext cx="13854" cy="261504"/>
+          </a:xfrm>
+          <a:prstGeom prst="straightConnector1">
+            <a:avLst/>
+          </a:prstGeom>
+          <a:ln w="38100">
+            <a:solidFill>
+              <a:schemeClr val="tx1"/>
+            </a:solidFill>
+            <a:tailEnd type="triangle"/>
+          </a:ln>
+        </p:spPr>
+        <p:style>
+          <a:lnRef idx="1">
+            <a:schemeClr val="accent1"/>
+          </a:lnRef>
+          <a:fillRef idx="0">
+            <a:schemeClr val="accent1"/>
+          </a:fillRef>
+          <a:effectRef idx="0">
+            <a:schemeClr val="accent1"/>
+          </a:effectRef>
+          <a:fontRef idx="minor">
+            <a:schemeClr val="tx1"/>
+          </a:fontRef>
+        </p:style>
+      </p:cxnSp>
+      <p:cxnSp>
+        <p:nvCxnSpPr>
+          <p:cNvPr id="35" name="Straight Arrow Connector 34"/>
+          <p:cNvCxnSpPr>
+            <a:stCxn id="11" idx="5"/>
+            <a:endCxn id="12" idx="1"/>
+          </p:cNvCxnSpPr>
+          <p:nvPr/>
+        </p:nvCxnSpPr>
+        <p:spPr>
+          <a:xfrm>
+            <a:off x="5525176" y="5088710"/>
+            <a:ext cx="322423" cy="513094"/>
+          </a:xfrm>
+          <a:prstGeom prst="straightConnector1">
+            <a:avLst/>
+          </a:prstGeom>
+          <a:ln w="38100">
+            <a:solidFill>
+              <a:schemeClr val="tx1"/>
+            </a:solidFill>
+            <a:tailEnd type="triangle"/>
+          </a:ln>
+        </p:spPr>
+        <p:style>
+          <a:lnRef idx="1">
+            <a:schemeClr val="accent1"/>
+          </a:lnRef>
+          <a:fillRef idx="0">
+            <a:schemeClr val="accent1"/>
+          </a:fillRef>
+          <a:effectRef idx="0">
+            <a:schemeClr val="accent1"/>
+          </a:effectRef>
+          <a:fontRef idx="minor">
+            <a:schemeClr val="tx1"/>
+          </a:fontRef>
+        </p:style>
+      </p:cxnSp>
+      <p:sp>
+        <p:nvSpPr>
+          <p:cNvPr id="37" name="Oval 36"/>
+          <p:cNvSpPr/>
+          <p:nvPr/>
+        </p:nvSpPr>
+        <p:spPr>
+          <a:xfrm>
+            <a:off x="2414340" y="5476009"/>
+            <a:ext cx="1879600" cy="858982"/>
+          </a:xfrm>
+          <a:prstGeom prst="ellipse">
+            <a:avLst/>
+          </a:prstGeom>
+        </p:spPr>
+        <p:style>
+          <a:lnRef idx="2">
+            <a:schemeClr val="accent1">
+              <a:shade val="50000"/>
+            </a:schemeClr>
+          </a:lnRef>
+          <a:fillRef idx="1">
+            <a:schemeClr val="accent1"/>
+          </a:fillRef>
+          <a:effectRef idx="0">
+            <a:schemeClr val="accent1"/>
+          </a:effectRef>
+          <a:fontRef idx="minor">
+            <a:schemeClr val="lt1"/>
+          </a:fontRef>
+        </p:style>
+        <p:txBody>
+          <a:bodyPr rtlCol="0" anchor="ctr"/>
+          <a:lstStyle/>
+          <a:p>
+            <a:pPr algn="ctr"/>
+            <a:r>
+              <a:rPr lang="en-US" dirty="0" err="1" smtClean="0"/>
+              <a:t>printFiles</a:t>
+            </a:r>
+            <a:endParaRPr lang="en-US" dirty="0"/>
+          </a:p>
+        </p:txBody>
+      </p:sp>
+      <p:cxnSp>
+        <p:nvCxnSpPr>
+          <p:cNvPr id="39" name="Straight Arrow Connector 38"/>
+          <p:cNvCxnSpPr>
+            <a:stCxn id="11" idx="3"/>
+            <a:endCxn id="37" idx="7"/>
+          </p:cNvCxnSpPr>
+          <p:nvPr/>
+        </p:nvCxnSpPr>
+        <p:spPr>
+          <a:xfrm flipH="1">
+            <a:off x="4018679" y="5088710"/>
+            <a:ext cx="177419" cy="513094"/>
+          </a:xfrm>
+          <a:prstGeom prst="straightConnector1">
+            <a:avLst/>
+          </a:prstGeom>
+          <a:ln w="38100">
+            <a:solidFill>
+              <a:schemeClr val="tx1"/>
+            </a:solidFill>
+            <a:tailEnd type="triangle"/>
+          </a:ln>
+        </p:spPr>
+        <p:style>
+          <a:lnRef idx="1">
+            <a:schemeClr val="accent1"/>
+          </a:lnRef>
+          <a:fillRef idx="0">
+            <a:schemeClr val="accent1"/>
+          </a:fillRef>
+          <a:effectRef idx="0">
+            <a:schemeClr val="accent1"/>
+          </a:effectRef>
+          <a:fontRef idx="minor">
+            <a:schemeClr val="tx1"/>
+          </a:fontRef>
+        </p:style>
+      </p:cxnSp>
+      <p:cxnSp>
+        <p:nvCxnSpPr>
+          <p:cNvPr id="45" name="Straight Arrow Connector 44"/>
+          <p:cNvCxnSpPr>
+            <a:endCxn id="3" idx="2"/>
+          </p:cNvCxnSpPr>
+          <p:nvPr/>
+        </p:nvCxnSpPr>
+        <p:spPr>
+          <a:xfrm>
+            <a:off x="3459499" y="1504898"/>
+            <a:ext cx="3287665" cy="42192"/>
+          </a:xfrm>
+          <a:prstGeom prst="straightConnector1">
+            <a:avLst/>
+          </a:prstGeom>
+          <a:ln w="38100">
+            <a:solidFill>
+              <a:schemeClr val="tx1"/>
+            </a:solidFill>
+            <a:headEnd type="none" w="med" len="med"/>
+            <a:tailEnd type="triangle" w="med" len="med"/>
+          </a:ln>
+        </p:spPr>
+        <p:style>
+          <a:lnRef idx="1">
+            <a:schemeClr val="accent1"/>
+          </a:lnRef>
+          <a:fillRef idx="0">
+            <a:schemeClr val="accent1"/>
+          </a:fillRef>
+          <a:effectRef idx="0">
+            <a:schemeClr val="accent1"/>
+          </a:effectRef>
+          <a:fontRef idx="minor">
+            <a:schemeClr val="tx1"/>
+          </a:fontRef>
+        </p:style>
+      </p:cxnSp>
+      <p:cxnSp>
+        <p:nvCxnSpPr>
+          <p:cNvPr id="49" name="Straight Arrow Connector 48"/>
+          <p:cNvCxnSpPr>
+            <a:stCxn id="37" idx="0"/>
+          </p:cNvCxnSpPr>
+          <p:nvPr/>
+        </p:nvCxnSpPr>
+        <p:spPr>
+          <a:xfrm flipV="1">
+            <a:off x="3354140" y="1481833"/>
+            <a:ext cx="105359" cy="3994176"/>
+          </a:xfrm>
+          <a:prstGeom prst="straightConnector1">
+            <a:avLst/>
+          </a:prstGeom>
+          <a:ln w="38100">
+            <a:solidFill>
+              <a:schemeClr val="tx1"/>
+            </a:solidFill>
+            <a:headEnd type="none" w="med" len="med"/>
+            <a:tailEnd type="none" w="med" len="med"/>
+          </a:ln>
+        </p:spPr>
+        <p:style>
+          <a:lnRef idx="1">
+            <a:schemeClr val="accent1"/>
+          </a:lnRef>
+          <a:fillRef idx="0">
+            <a:schemeClr val="accent1"/>
+          </a:fillRef>
+          <a:effectRef idx="0">
+            <a:schemeClr val="accent1"/>
+          </a:effectRef>
+          <a:fontRef idx="minor">
+            <a:schemeClr val="tx1"/>
+          </a:fontRef>
+        </p:style>
+      </p:cxnSp>
+    </p:spTree>
+    <p:extLst>
+      <p:ext uri="{BB962C8B-B14F-4D97-AF65-F5344CB8AC3E}">
+        <p14:creationId xmlns:p14="http://schemas.microsoft.com/office/powerpoint/2010/main" val="2040347513"/>
       </p:ext>
     </p:extLst>
   </p:cSld>
